--- a/linq/slides/09_DbContext.pptx
+++ b/linq/slides/09_DbContext.pptx
@@ -252,7 +252,7 @@
               <a:pPr>
                 <a:defRPr/>
               </a:pPr>
-              <a:t>10/19/2011</a:t>
+              <a:t>5/9/2012</a:t>
             </a:fld>
             <a:endParaRPr lang="en-US"/>
           </a:p>
@@ -8129,12 +8129,6 @@
               <a:t>Seeeding</a:t>
             </a:r>
             <a:endParaRPr lang="en-US" dirty="0" smtClean="0"/>
-          </a:p>
-          <a:p>
-            <a:r>
-              <a:rPr lang="en-US" dirty="0" smtClean="0"/>
-              <a:t>Migrating</a:t>
-            </a:r>
           </a:p>
           <a:p>
             <a:endParaRPr lang="en-US" dirty="0" smtClean="0"/>
